--- a/Downloads/Datenstrukturen.pptx
+++ b/Downloads/Datenstrukturen.pptx
@@ -554,7 +554,7 @@
               </a14:hiddenFill>
             </a:ext>
             <a:ext uri="{FAA26D3D-D897-4be2-8F04-BA451C77F1D7}">
-              <ma14:placeholderFlag xmlns:ma14="http://schemas.microsoft.com/office/mac/drawingml/2011/main" xmlns="" val="1"/>
+              <ma14:placeholderFlag xmlns="" xmlns:ma14="http://schemas.microsoft.com/office/mac/drawingml/2011/main" val="1"/>
             </a:ext>
           </a:extLst>
         </p:spPr>
@@ -4043,7 +4043,7 @@
               </a14:hiddenLine>
             </a:ext>
             <a:ext uri="{FAA26D3D-D897-4be2-8F04-BA451C77F1D7}">
-              <ma14:placeholderFlag xmlns:ma14="http://schemas.microsoft.com/office/mac/drawingml/2011/main" xmlns="" val="1"/>
+              <ma14:placeholderFlag xmlns="" xmlns:ma14="http://schemas.microsoft.com/office/mac/drawingml/2011/main" val="1"/>
             </a:ext>
           </a:extLst>
         </p:spPr>
@@ -4104,7 +4104,7 @@
               </a14:hiddenLine>
             </a:ext>
             <a:ext uri="{FAA26D3D-D897-4be2-8F04-BA451C77F1D7}">
-              <ma14:placeholderFlag xmlns:ma14="http://schemas.microsoft.com/office/mac/drawingml/2011/main" xmlns="" val="1"/>
+              <ma14:placeholderFlag xmlns="" xmlns:ma14="http://schemas.microsoft.com/office/mac/drawingml/2011/main" val="1"/>
             </a:ext>
           </a:extLst>
         </p:spPr>
@@ -6007,6 +6007,104 @@
           </a:p>
         </p:txBody>
       </p:sp>
+      <p:cxnSp>
+        <p:nvCxnSpPr>
+          <p:cNvPr id="34" name="Gerade Verbindung mit Pfeil 33">
+            <a:extLst>
+              <a:ext uri="{FF2B5EF4-FFF2-40B4-BE49-F238E27FC236}">
+                <a16:creationId xmlns:a16="http://schemas.microsoft.com/office/drawing/2014/main" id="{7E9C1B91-3E2A-CB43-B2B9-AFFC780B69EC}"/>
+              </a:ext>
+            </a:extLst>
+          </p:cNvPr>
+          <p:cNvCxnSpPr/>
+          <p:nvPr/>
+        </p:nvCxnSpPr>
+        <p:spPr bwMode="auto">
+          <a:xfrm>
+            <a:off x="6794386" y="4764901"/>
+            <a:ext cx="0" cy="574144"/>
+          </a:xfrm>
+          <a:prstGeom prst="straightConnector1">
+            <a:avLst/>
+          </a:prstGeom>
+          <a:ln>
+            <a:headEnd type="none" w="med" len="med"/>
+            <a:tailEnd type="triangle"/>
+          </a:ln>
+        </p:spPr>
+        <p:style>
+          <a:lnRef idx="3">
+            <a:schemeClr val="dk1"/>
+          </a:lnRef>
+          <a:fillRef idx="0">
+            <a:schemeClr val="dk1"/>
+          </a:fillRef>
+          <a:effectRef idx="2">
+            <a:schemeClr val="dk1"/>
+          </a:effectRef>
+          <a:fontRef idx="minor">
+            <a:schemeClr val="tx1"/>
+          </a:fontRef>
+        </p:style>
+      </p:cxnSp>
+      <p:sp>
+        <p:nvSpPr>
+          <p:cNvPr id="35" name="Textfeld 34">
+            <a:extLst>
+              <a:ext uri="{FF2B5EF4-FFF2-40B4-BE49-F238E27FC236}">
+                <a16:creationId xmlns:a16="http://schemas.microsoft.com/office/drawing/2014/main" id="{401E394F-47F4-7B4A-9840-3BAA75E84B20}"/>
+              </a:ext>
+            </a:extLst>
+          </p:cNvPr>
+          <p:cNvSpPr txBox="1"/>
+          <p:nvPr/>
+        </p:nvSpPr>
+        <p:spPr>
+          <a:xfrm>
+            <a:off x="6425173" y="4557461"/>
+            <a:ext cx="800220" cy="253916"/>
+          </a:xfrm>
+          <a:prstGeom prst="rect">
+            <a:avLst/>
+          </a:prstGeom>
+          <a:noFill/>
+        </p:spPr>
+        <p:txBody>
+          <a:bodyPr wrap="none" rtlCol="0">
+            <a:spAutoFit/>
+          </a:bodyPr>
+          <a:lstStyle/>
+          <a:p>
+            <a:r>
+              <a:rPr lang="de-DE" sz="1050" b="0" dirty="0">
+                <a:solidFill>
+                  <a:schemeClr val="accent3">
+                    <a:lumMod val="50000"/>
+                  </a:schemeClr>
+                </a:solidFill>
+              </a:rPr>
+              <a:t>Last </a:t>
+            </a:r>
+            <a:r>
+              <a:rPr lang="de-DE" sz="1050" b="0" dirty="0" err="1">
+                <a:solidFill>
+                  <a:schemeClr val="accent3">
+                    <a:lumMod val="50000"/>
+                  </a:schemeClr>
+                </a:solidFill>
+              </a:rPr>
+              <a:t>Node</a:t>
+            </a:r>
+            <a:endParaRPr lang="de-DE" sz="1050" b="0" dirty="0">
+              <a:solidFill>
+                <a:schemeClr val="accent3">
+                  <a:lumMod val="50000"/>
+                </a:schemeClr>
+              </a:solidFill>
+            </a:endParaRPr>
+          </a:p>
+        </p:txBody>
+      </p:sp>
     </p:spTree>
     <p:extLst>
       <p:ext uri="{BB962C8B-B14F-4D97-AF65-F5344CB8AC3E}">
@@ -6281,6 +6379,43 @@
               <a:rPr lang="de-DE" sz="1800" dirty="0"/>
               <a:t>...</a:t>
             </a:r>
+          </a:p>
+          <a:p>
+            <a:pPr>
+              <a:buFont typeface="Arial" charset="0"/>
+              <a:buChar char="•"/>
+            </a:pPr>
+            <a:r>
+              <a:rPr lang="de-DE" sz="1800" dirty="0"/>
+              <a:t>Parallel Suche: O(</a:t>
+            </a:r>
+            <a:r>
+              <a:rPr lang="de-DE" sz="1800" dirty="0" err="1"/>
+              <a:t>n</a:t>
+            </a:r>
+            <a:r>
+              <a:rPr lang="de-DE" sz="1800" dirty="0"/>
+              <a:t>/2) </a:t>
+            </a:r>
+            <a:r>
+              <a:rPr lang="de-DE" sz="1800" dirty="0">
+                <a:sym typeface="Wingdings" pitchFamily="2" charset="2"/>
+              </a:rPr>
+              <a:t> O(</a:t>
+            </a:r>
+            <a:r>
+              <a:rPr lang="de-DE" sz="1800" dirty="0" err="1">
+                <a:sym typeface="Wingdings" pitchFamily="2" charset="2"/>
+              </a:rPr>
+              <a:t>n</a:t>
+            </a:r>
+            <a:r>
+              <a:rPr lang="de-DE" sz="1800" dirty="0">
+                <a:sym typeface="Wingdings" pitchFamily="2" charset="2"/>
+              </a:rPr>
+              <a:t>)</a:t>
+            </a:r>
+            <a:endParaRPr lang="de-DE" sz="1800" dirty="0"/>
           </a:p>
         </p:txBody>
       </p:sp>
